--- a/3.TestatZahnradCatiaAnbindung/Zahnradrechner.pptx
+++ b/3.TestatZahnradCatiaAnbindung/Zahnradrechner.pptx
@@ -7,6 +7,10 @@
   <p:sldIdLst>
     <p:sldId id="256" r:id="rId2"/>
     <p:sldId id="257" r:id="rId3"/>
+    <p:sldId id="258" r:id="rId4"/>
+    <p:sldId id="259" r:id="rId5"/>
+    <p:sldId id="260" r:id="rId6"/>
+    <p:sldId id="261" r:id="rId7"/>
   </p:sldIdLst>
   <p:sldSz cx="12192000" cy="6858000"/>
   <p:notesSz cx="6858000" cy="9144000"/>
@@ -105,6 +109,11 @@
       </a:defRPr>
     </a:lvl9pPr>
   </p:defaultTextStyle>
+  <p:extLst>
+    <p:ext uri="{EFAFB233-063F-42B5-8137-9DF3F51BA10A}">
+      <p15:sldGuideLst xmlns:p15="http://schemas.microsoft.com/office/powerpoint/2012/main"/>
+    </p:ext>
+  </p:extLst>
 </p:presentation>
 </file>
 
@@ -239,7 +248,7 @@
           <a:p>
             <a:fld id="{B5865AD3-2C74-4307-A3AA-09D1F40D10E8}" type="datetimeFigureOut">
               <a:rPr lang="de-DE" smtClean="0"/>
-              <a:t>15.12.2020</a:t>
+              <a:t>16.12.2020</a:t>
             </a:fld>
             <a:endParaRPr lang="de-DE"/>
           </a:p>
@@ -409,7 +418,7 @@
           <a:p>
             <a:fld id="{B5865AD3-2C74-4307-A3AA-09D1F40D10E8}" type="datetimeFigureOut">
               <a:rPr lang="de-DE" smtClean="0"/>
-              <a:t>15.12.2020</a:t>
+              <a:t>16.12.2020</a:t>
             </a:fld>
             <a:endParaRPr lang="de-DE"/>
           </a:p>
@@ -589,7 +598,7 @@
           <a:p>
             <a:fld id="{B5865AD3-2C74-4307-A3AA-09D1F40D10E8}" type="datetimeFigureOut">
               <a:rPr lang="de-DE" smtClean="0"/>
-              <a:t>15.12.2020</a:t>
+              <a:t>16.12.2020</a:t>
             </a:fld>
             <a:endParaRPr lang="de-DE"/>
           </a:p>
@@ -759,7 +768,7 @@
           <a:p>
             <a:fld id="{B5865AD3-2C74-4307-A3AA-09D1F40D10E8}" type="datetimeFigureOut">
               <a:rPr lang="de-DE" smtClean="0"/>
-              <a:t>15.12.2020</a:t>
+              <a:t>16.12.2020</a:t>
             </a:fld>
             <a:endParaRPr lang="de-DE"/>
           </a:p>
@@ -1005,7 +1014,7 @@
           <a:p>
             <a:fld id="{B5865AD3-2C74-4307-A3AA-09D1F40D10E8}" type="datetimeFigureOut">
               <a:rPr lang="de-DE" smtClean="0"/>
-              <a:t>15.12.2020</a:t>
+              <a:t>16.12.2020</a:t>
             </a:fld>
             <a:endParaRPr lang="de-DE"/>
           </a:p>
@@ -1237,7 +1246,7 @@
           <a:p>
             <a:fld id="{B5865AD3-2C74-4307-A3AA-09D1F40D10E8}" type="datetimeFigureOut">
               <a:rPr lang="de-DE" smtClean="0"/>
-              <a:t>15.12.2020</a:t>
+              <a:t>16.12.2020</a:t>
             </a:fld>
             <a:endParaRPr lang="de-DE"/>
           </a:p>
@@ -1604,7 +1613,7 @@
           <a:p>
             <a:fld id="{B5865AD3-2C74-4307-A3AA-09D1F40D10E8}" type="datetimeFigureOut">
               <a:rPr lang="de-DE" smtClean="0"/>
-              <a:t>15.12.2020</a:t>
+              <a:t>16.12.2020</a:t>
             </a:fld>
             <a:endParaRPr lang="de-DE"/>
           </a:p>
@@ -1722,7 +1731,7 @@
           <a:p>
             <a:fld id="{B5865AD3-2C74-4307-A3AA-09D1F40D10E8}" type="datetimeFigureOut">
               <a:rPr lang="de-DE" smtClean="0"/>
-              <a:t>15.12.2020</a:t>
+              <a:t>16.12.2020</a:t>
             </a:fld>
             <a:endParaRPr lang="de-DE"/>
           </a:p>
@@ -1817,7 +1826,7 @@
           <a:p>
             <a:fld id="{B5865AD3-2C74-4307-A3AA-09D1F40D10E8}" type="datetimeFigureOut">
               <a:rPr lang="de-DE" smtClean="0"/>
-              <a:t>15.12.2020</a:t>
+              <a:t>16.12.2020</a:t>
             </a:fld>
             <a:endParaRPr lang="de-DE"/>
           </a:p>
@@ -2094,7 +2103,7 @@
           <a:p>
             <a:fld id="{B5865AD3-2C74-4307-A3AA-09D1F40D10E8}" type="datetimeFigureOut">
               <a:rPr lang="de-DE" smtClean="0"/>
-              <a:t>15.12.2020</a:t>
+              <a:t>16.12.2020</a:t>
             </a:fld>
             <a:endParaRPr lang="de-DE"/>
           </a:p>
@@ -2347,7 +2356,7 @@
           <a:p>
             <a:fld id="{B5865AD3-2C74-4307-A3AA-09D1F40D10E8}" type="datetimeFigureOut">
               <a:rPr lang="de-DE" smtClean="0"/>
-              <a:t>15.12.2020</a:t>
+              <a:t>16.12.2020</a:t>
             </a:fld>
             <a:endParaRPr lang="de-DE"/>
           </a:p>
@@ -2412,9 +2421,39 @@
 <p:sldMaster xmlns:a="http://schemas.openxmlformats.org/drawingml/2006/main" xmlns:r="http://schemas.openxmlformats.org/officeDocument/2006/relationships" xmlns:p="http://schemas.openxmlformats.org/presentationml/2006/main">
   <p:cSld>
     <p:bg>
-      <p:bgRef idx="1001">
-        <a:schemeClr val="bg1"/>
-      </p:bgRef>
+      <p:bgPr>
+        <a:gradFill flip="none" rotWithShape="1">
+          <a:gsLst>
+            <a:gs pos="0">
+              <a:schemeClr val="accent1">
+                <a:lumMod val="5000"/>
+                <a:lumOff val="95000"/>
+              </a:schemeClr>
+            </a:gs>
+            <a:gs pos="74000">
+              <a:schemeClr val="accent1">
+                <a:lumMod val="45000"/>
+                <a:lumOff val="55000"/>
+              </a:schemeClr>
+            </a:gs>
+            <a:gs pos="83000">
+              <a:schemeClr val="accent1">
+                <a:lumMod val="45000"/>
+                <a:lumOff val="55000"/>
+              </a:schemeClr>
+            </a:gs>
+            <a:gs pos="100000">
+              <a:schemeClr val="accent1">
+                <a:lumMod val="30000"/>
+                <a:lumOff val="70000"/>
+              </a:schemeClr>
+            </a:gs>
+          </a:gsLst>
+          <a:lin ang="5400000" scaled="1"/>
+          <a:tileRect/>
+        </a:gradFill>
+        <a:effectLst/>
+      </p:bgPr>
     </p:bg>
     <p:spTree>
       <p:nvGrpSpPr>
@@ -2560,7 +2599,7 @@
           <a:p>
             <a:fld id="{B5865AD3-2C74-4307-A3AA-09D1F40D10E8}" type="datetimeFigureOut">
               <a:rPr lang="de-DE" smtClean="0"/>
-              <a:t>15.12.2020</a:t>
+              <a:t>16.12.2020</a:t>
             </a:fld>
             <a:endParaRPr lang="de-DE"/>
           </a:p>
@@ -2951,40 +2990,6 @@
 <file path=ppt/slides/slide1.xml><?xml version="1.0" encoding="utf-8"?>
 <p:sld xmlns:a="http://schemas.openxmlformats.org/drawingml/2006/main" xmlns:r="http://schemas.openxmlformats.org/officeDocument/2006/relationships" xmlns:p="http://schemas.openxmlformats.org/presentationml/2006/main">
   <p:cSld>
-    <p:bg>
-      <p:bgPr>
-        <a:gradFill>
-          <a:gsLst>
-            <a:gs pos="0">
-              <a:schemeClr val="accent1">
-                <a:lumMod val="5000"/>
-                <a:lumOff val="95000"/>
-              </a:schemeClr>
-            </a:gs>
-            <a:gs pos="74000">
-              <a:schemeClr val="accent1">
-                <a:lumMod val="45000"/>
-                <a:lumOff val="55000"/>
-              </a:schemeClr>
-            </a:gs>
-            <a:gs pos="83000">
-              <a:schemeClr val="accent1">
-                <a:lumMod val="45000"/>
-                <a:lumOff val="55000"/>
-              </a:schemeClr>
-            </a:gs>
-            <a:gs pos="100000">
-              <a:schemeClr val="accent1">
-                <a:lumMod val="30000"/>
-                <a:lumOff val="70000"/>
-              </a:schemeClr>
-            </a:gs>
-          </a:gsLst>
-          <a:lin ang="5400000" scaled="1"/>
-        </a:gradFill>
-        <a:effectLst/>
-      </p:bgPr>
-    </p:bg>
     <p:spTree>
       <p:nvGrpSpPr>
         <p:cNvPr id="1" name=""/>
@@ -3127,7 +3132,11 @@
           <a:bodyPr/>
           <a:lstStyle/>
           <a:p>
-            <a:endParaRPr lang="de-DE"/>
+            <a:r>
+              <a:rPr lang="de-DE" dirty="0" smtClean="0"/>
+              <a:t>Inhalt</a:t>
+            </a:r>
+            <a:endParaRPr lang="de-DE" dirty="0"/>
           </a:p>
         </p:txBody>
       </p:sp>
@@ -3146,7 +3155,28 @@
           <a:bodyPr/>
           <a:lstStyle/>
           <a:p>
-            <a:endParaRPr lang="de-DE"/>
+            <a:r>
+              <a:rPr lang="de-DE" dirty="0" smtClean="0"/>
+              <a:t>Ziele</a:t>
+            </a:r>
+          </a:p>
+          <a:p>
+            <a:r>
+              <a:rPr lang="de-DE" dirty="0" smtClean="0"/>
+              <a:t>Funktionen außenverzahnt</a:t>
+            </a:r>
+          </a:p>
+          <a:p>
+            <a:r>
+              <a:rPr lang="de-DE" dirty="0" smtClean="0"/>
+              <a:t>Funktionen innenverzahnt</a:t>
+            </a:r>
+          </a:p>
+          <a:p>
+            <a:pPr marL="0" indent="0">
+              <a:buNone/>
+            </a:pPr>
+            <a:endParaRPr lang="de-DE" dirty="0" smtClean="0"/>
           </a:p>
         </p:txBody>
       </p:sp>
@@ -3184,6 +3214,720 @@
     <p:extLst>
       <p:ext uri="{BB962C8B-B14F-4D97-AF65-F5344CB8AC3E}">
         <p14:creationId xmlns:p14="http://schemas.microsoft.com/office/powerpoint/2010/main" val="1103859153"/>
+      </p:ext>
+    </p:extLst>
+  </p:cSld>
+  <p:clrMapOvr>
+    <a:masterClrMapping/>
+  </p:clrMapOvr>
+  <p:timing>
+    <p:tnLst>
+      <p:par>
+        <p:cTn id="1" dur="indefinite" restart="never" nodeType="tmRoot"/>
+      </p:par>
+    </p:tnLst>
+  </p:timing>
+</p:sld>
+</file>
+
+<file path=ppt/slides/slide3.xml><?xml version="1.0" encoding="utf-8"?>
+<p:sld xmlns:a="http://schemas.openxmlformats.org/drawingml/2006/main" xmlns:r="http://schemas.openxmlformats.org/officeDocument/2006/relationships" xmlns:p="http://schemas.openxmlformats.org/presentationml/2006/main">
+  <p:cSld>
+    <p:spTree>
+      <p:nvGrpSpPr>
+        <p:cNvPr id="1" name=""/>
+        <p:cNvGrpSpPr/>
+        <p:nvPr/>
+      </p:nvGrpSpPr>
+      <p:grpSpPr>
+        <a:xfrm>
+          <a:off x="0" y="0"/>
+          <a:ext cx="0" cy="0"/>
+          <a:chOff x="0" y="0"/>
+          <a:chExt cx="0" cy="0"/>
+        </a:xfrm>
+      </p:grpSpPr>
+      <p:sp>
+        <p:nvSpPr>
+          <p:cNvPr id="2" name="Titel 1"/>
+          <p:cNvSpPr>
+            <a:spLocks noGrp="1"/>
+          </p:cNvSpPr>
+          <p:nvPr>
+            <p:ph type="title"/>
+          </p:nvPr>
+        </p:nvSpPr>
+        <p:spPr/>
+        <p:txBody>
+          <a:bodyPr/>
+          <a:lstStyle/>
+          <a:p>
+            <a:r>
+              <a:rPr lang="de-DE" dirty="0" smtClean="0"/>
+              <a:t>Ziele</a:t>
+            </a:r>
+            <a:endParaRPr lang="de-DE" dirty="0"/>
+          </a:p>
+        </p:txBody>
+      </p:sp>
+      <p:sp>
+        <p:nvSpPr>
+          <p:cNvPr id="3" name="Inhaltsplatzhalter 2"/>
+          <p:cNvSpPr>
+            <a:spLocks noGrp="1"/>
+          </p:cNvSpPr>
+          <p:nvPr>
+            <p:ph idx="1"/>
+          </p:nvPr>
+        </p:nvSpPr>
+        <p:spPr/>
+        <p:txBody>
+          <a:bodyPr/>
+          <a:lstStyle/>
+          <a:p>
+            <a:r>
+              <a:rPr lang="de-DE" dirty="0" smtClean="0"/>
+              <a:t>Ursprüngliches Programm aus Sprint 2 in Catia implementieren</a:t>
+            </a:r>
+          </a:p>
+          <a:p>
+            <a:r>
+              <a:rPr lang="de-DE" dirty="0" smtClean="0"/>
+              <a:t>Außenverzahnt</a:t>
+            </a:r>
+          </a:p>
+          <a:p>
+            <a:r>
+              <a:rPr lang="de-DE" dirty="0" smtClean="0"/>
+              <a:t>Innenverzahnt</a:t>
+            </a:r>
+          </a:p>
+          <a:p>
+            <a:endParaRPr lang="de-DE" dirty="0" smtClean="0"/>
+          </a:p>
+          <a:p>
+            <a:pPr marL="0" indent="0">
+              <a:buNone/>
+            </a:pPr>
+            <a:endParaRPr lang="de-DE" dirty="0" smtClean="0"/>
+          </a:p>
+        </p:txBody>
+      </p:sp>
+      <p:pic>
+        <p:nvPicPr>
+          <p:cNvPr id="4" name="Grafik 3"/>
+          <p:cNvPicPr>
+            <a:picLocks noChangeAspect="1"/>
+          </p:cNvPicPr>
+          <p:nvPr/>
+        </p:nvPicPr>
+        <p:blipFill>
+          <a:blip r:embed="rId2" cstate="print">
+            <a:extLst>
+              <a:ext uri="{28A0092B-C50C-407E-A947-70E740481C1C}">
+                <a14:useLocalDpi xmlns:a14="http://schemas.microsoft.com/office/drawing/2010/main" val="0"/>
+              </a:ext>
+            </a:extLst>
+          </a:blip>
+          <a:stretch>
+            <a:fillRect/>
+          </a:stretch>
+        </p:blipFill>
+        <p:spPr>
+          <a:xfrm>
+            <a:off x="10287000" y="0"/>
+            <a:ext cx="1905000" cy="1905000"/>
+          </a:xfrm>
+          <a:prstGeom prst="rect">
+            <a:avLst/>
+          </a:prstGeom>
+        </p:spPr>
+      </p:pic>
+      <p:pic>
+        <p:nvPicPr>
+          <p:cNvPr id="5" name="Grafik 4"/>
+          <p:cNvPicPr>
+            <a:picLocks noChangeAspect="1"/>
+          </p:cNvPicPr>
+          <p:nvPr/>
+        </p:nvPicPr>
+        <p:blipFill>
+          <a:blip r:embed="rId3"/>
+          <a:stretch>
+            <a:fillRect/>
+          </a:stretch>
+        </p:blipFill>
+        <p:spPr>
+          <a:xfrm>
+            <a:off x="5712105" y="3241168"/>
+            <a:ext cx="5359596" cy="2935795"/>
+          </a:xfrm>
+          <a:prstGeom prst="rect">
+            <a:avLst/>
+          </a:prstGeom>
+        </p:spPr>
+      </p:pic>
+    </p:spTree>
+    <p:extLst>
+      <p:ext uri="{BB962C8B-B14F-4D97-AF65-F5344CB8AC3E}">
+        <p14:creationId xmlns:p14="http://schemas.microsoft.com/office/powerpoint/2010/main" val="1761575881"/>
+      </p:ext>
+    </p:extLst>
+  </p:cSld>
+  <p:clrMapOvr>
+    <a:masterClrMapping/>
+  </p:clrMapOvr>
+  <p:timing>
+    <p:tnLst>
+      <p:par>
+        <p:cTn id="1" dur="indefinite" restart="never" nodeType="tmRoot"/>
+      </p:par>
+    </p:tnLst>
+  </p:timing>
+</p:sld>
+</file>
+
+<file path=ppt/slides/slide4.xml><?xml version="1.0" encoding="utf-8"?>
+<p:sld xmlns:a="http://schemas.openxmlformats.org/drawingml/2006/main" xmlns:r="http://schemas.openxmlformats.org/officeDocument/2006/relationships" xmlns:p="http://schemas.openxmlformats.org/presentationml/2006/main">
+  <p:cSld>
+    <p:spTree>
+      <p:nvGrpSpPr>
+        <p:cNvPr id="1" name=""/>
+        <p:cNvGrpSpPr/>
+        <p:nvPr/>
+      </p:nvGrpSpPr>
+      <p:grpSpPr>
+        <a:xfrm>
+          <a:off x="0" y="0"/>
+          <a:ext cx="0" cy="0"/>
+          <a:chOff x="0" y="0"/>
+          <a:chExt cx="0" cy="0"/>
+        </a:xfrm>
+      </p:grpSpPr>
+      <p:sp>
+        <p:nvSpPr>
+          <p:cNvPr id="2" name="Titel 1"/>
+          <p:cNvSpPr>
+            <a:spLocks noGrp="1"/>
+          </p:cNvSpPr>
+          <p:nvPr>
+            <p:ph type="title"/>
+          </p:nvPr>
+        </p:nvSpPr>
+        <p:spPr>
+          <a:xfrm>
+            <a:off x="839788" y="457200"/>
+            <a:ext cx="5880608" cy="1060882"/>
+          </a:xfrm>
+        </p:spPr>
+        <p:txBody>
+          <a:bodyPr/>
+          <a:lstStyle/>
+          <a:p>
+            <a:r>
+              <a:rPr lang="de-DE" dirty="0" smtClean="0"/>
+              <a:t>Funktionen außenverzahnt</a:t>
+            </a:r>
+            <a:endParaRPr lang="de-DE" dirty="0"/>
+          </a:p>
+        </p:txBody>
+      </p:sp>
+      <p:sp>
+        <p:nvSpPr>
+          <p:cNvPr id="3" name="Inhaltsplatzhalter 2"/>
+          <p:cNvSpPr>
+            <a:spLocks noGrp="1"/>
+          </p:cNvSpPr>
+          <p:nvPr>
+            <p:ph idx="1"/>
+          </p:nvPr>
+        </p:nvSpPr>
+        <p:spPr/>
+        <p:txBody>
+          <a:bodyPr/>
+          <a:lstStyle/>
+          <a:p>
+            <a:pPr marL="0" indent="0">
+              <a:buNone/>
+            </a:pPr>
+            <a:endParaRPr lang="de-DE" dirty="0" smtClean="0"/>
+          </a:p>
+          <a:p>
+            <a:pPr marL="0" indent="0">
+              <a:buNone/>
+            </a:pPr>
+            <a:endParaRPr lang="de-DE" dirty="0" smtClean="0"/>
+          </a:p>
+        </p:txBody>
+      </p:sp>
+      <p:sp>
+        <p:nvSpPr>
+          <p:cNvPr id="6" name="Textplatzhalter 5"/>
+          <p:cNvSpPr>
+            <a:spLocks noGrp="1"/>
+          </p:cNvSpPr>
+          <p:nvPr>
+            <p:ph type="body" sz="half" idx="2"/>
+          </p:nvPr>
+        </p:nvSpPr>
+        <p:spPr/>
+        <p:txBody>
+          <a:bodyPr/>
+          <a:lstStyle/>
+          <a:p>
+            <a:pPr marL="285750" indent="-285750">
+              <a:buFont typeface="Arial" panose="020B0604020202020204" pitchFamily="34" charset="0"/>
+              <a:buChar char="•"/>
+            </a:pPr>
+            <a:r>
+              <a:rPr lang="de-DE" dirty="0" smtClean="0"/>
+              <a:t>Alle alten Funktionen aus Sprint 2 </a:t>
+            </a:r>
+          </a:p>
+          <a:p>
+            <a:pPr marL="285750" indent="-285750">
+              <a:buFont typeface="Arial" panose="020B0604020202020204" pitchFamily="34" charset="0"/>
+              <a:buChar char="•"/>
+            </a:pPr>
+            <a:r>
+              <a:rPr lang="de-DE" dirty="0" smtClean="0"/>
+              <a:t>Bohrung</a:t>
+            </a:r>
+          </a:p>
+          <a:p>
+            <a:pPr marL="285750" indent="-285750">
+              <a:buFont typeface="Arial" panose="020B0604020202020204" pitchFamily="34" charset="0"/>
+              <a:buChar char="•"/>
+            </a:pPr>
+            <a:r>
+              <a:rPr lang="de-DE" dirty="0" smtClean="0"/>
+              <a:t>Genormte Passfederverbindung</a:t>
+            </a:r>
+          </a:p>
+          <a:p>
+            <a:pPr marL="285750" indent="-285750">
+              <a:buFont typeface="Arial" panose="020B0604020202020204" pitchFamily="34" charset="0"/>
+              <a:buChar char="•"/>
+            </a:pPr>
+            <a:r>
+              <a:rPr lang="de-DE" dirty="0" smtClean="0"/>
+              <a:t>3D - Gewichtsreduzierung</a:t>
+            </a:r>
+            <a:endParaRPr lang="de-DE" dirty="0"/>
+          </a:p>
+        </p:txBody>
+      </p:sp>
+      <p:pic>
+        <p:nvPicPr>
+          <p:cNvPr id="4" name="Grafik 3"/>
+          <p:cNvPicPr>
+            <a:picLocks noChangeAspect="1"/>
+          </p:cNvPicPr>
+          <p:nvPr/>
+        </p:nvPicPr>
+        <p:blipFill>
+          <a:blip r:embed="rId2" cstate="print">
+            <a:extLst>
+              <a:ext uri="{28A0092B-C50C-407E-A947-70E740481C1C}">
+                <a14:useLocalDpi xmlns:a14="http://schemas.microsoft.com/office/drawing/2010/main" val="0"/>
+              </a:ext>
+            </a:extLst>
+          </a:blip>
+          <a:stretch>
+            <a:fillRect/>
+          </a:stretch>
+        </p:blipFill>
+        <p:spPr>
+          <a:xfrm>
+            <a:off x="10287000" y="0"/>
+            <a:ext cx="1905000" cy="1905000"/>
+          </a:xfrm>
+          <a:prstGeom prst="rect">
+            <a:avLst/>
+          </a:prstGeom>
+        </p:spPr>
+      </p:pic>
+      <p:pic>
+        <p:nvPicPr>
+          <p:cNvPr id="5" name="Grafik 4"/>
+          <p:cNvPicPr>
+            <a:picLocks noChangeAspect="1"/>
+          </p:cNvPicPr>
+          <p:nvPr/>
+        </p:nvPicPr>
+        <p:blipFill>
+          <a:blip r:embed="rId3"/>
+          <a:stretch>
+            <a:fillRect/>
+          </a:stretch>
+        </p:blipFill>
+        <p:spPr>
+          <a:xfrm>
+            <a:off x="8681379" y="1905000"/>
+            <a:ext cx="3211242" cy="4750514"/>
+          </a:xfrm>
+          <a:prstGeom prst="rect">
+            <a:avLst/>
+          </a:prstGeom>
+        </p:spPr>
+      </p:pic>
+    </p:spTree>
+    <p:extLst>
+      <p:ext uri="{BB962C8B-B14F-4D97-AF65-F5344CB8AC3E}">
+        <p14:creationId xmlns:p14="http://schemas.microsoft.com/office/powerpoint/2010/main" val="314577155"/>
+      </p:ext>
+    </p:extLst>
+  </p:cSld>
+  <p:clrMapOvr>
+    <a:masterClrMapping/>
+  </p:clrMapOvr>
+  <p:timing>
+    <p:tnLst>
+      <p:par>
+        <p:cTn id="1" dur="indefinite" restart="never" nodeType="tmRoot"/>
+      </p:par>
+    </p:tnLst>
+  </p:timing>
+</p:sld>
+</file>
+
+<file path=ppt/slides/slide5.xml><?xml version="1.0" encoding="utf-8"?>
+<p:sld xmlns:a="http://schemas.openxmlformats.org/drawingml/2006/main" xmlns:r="http://schemas.openxmlformats.org/officeDocument/2006/relationships" xmlns:p="http://schemas.openxmlformats.org/presentationml/2006/main">
+  <p:cSld>
+    <p:spTree>
+      <p:nvGrpSpPr>
+        <p:cNvPr id="1" name=""/>
+        <p:cNvGrpSpPr/>
+        <p:nvPr/>
+      </p:nvGrpSpPr>
+      <p:grpSpPr>
+        <a:xfrm>
+          <a:off x="0" y="0"/>
+          <a:ext cx="0" cy="0"/>
+          <a:chOff x="0" y="0"/>
+          <a:chExt cx="0" cy="0"/>
+        </a:xfrm>
+      </p:grpSpPr>
+      <p:sp>
+        <p:nvSpPr>
+          <p:cNvPr id="2" name="Titel 1"/>
+          <p:cNvSpPr>
+            <a:spLocks noGrp="1"/>
+          </p:cNvSpPr>
+          <p:nvPr>
+            <p:ph type="title"/>
+          </p:nvPr>
+        </p:nvSpPr>
+        <p:spPr>
+          <a:xfrm>
+            <a:off x="839788" y="457200"/>
+            <a:ext cx="5880608" cy="1060882"/>
+          </a:xfrm>
+        </p:spPr>
+        <p:txBody>
+          <a:bodyPr/>
+          <a:lstStyle/>
+          <a:p>
+            <a:r>
+              <a:rPr lang="de-DE" dirty="0" smtClean="0"/>
+              <a:t>Funktionen innenverzahnt</a:t>
+            </a:r>
+            <a:endParaRPr lang="de-DE" dirty="0"/>
+          </a:p>
+        </p:txBody>
+      </p:sp>
+      <p:sp>
+        <p:nvSpPr>
+          <p:cNvPr id="3" name="Inhaltsplatzhalter 2"/>
+          <p:cNvSpPr>
+            <a:spLocks noGrp="1"/>
+          </p:cNvSpPr>
+          <p:nvPr>
+            <p:ph idx="1"/>
+          </p:nvPr>
+        </p:nvSpPr>
+        <p:spPr/>
+        <p:txBody>
+          <a:bodyPr/>
+          <a:lstStyle/>
+          <a:p>
+            <a:pPr marL="0" indent="0">
+              <a:buNone/>
+            </a:pPr>
+            <a:endParaRPr lang="de-DE" dirty="0" smtClean="0"/>
+          </a:p>
+          <a:p>
+            <a:pPr marL="0" indent="0">
+              <a:buNone/>
+            </a:pPr>
+            <a:endParaRPr lang="de-DE" dirty="0" smtClean="0"/>
+          </a:p>
+        </p:txBody>
+      </p:sp>
+      <p:sp>
+        <p:nvSpPr>
+          <p:cNvPr id="6" name="Textplatzhalter 5"/>
+          <p:cNvSpPr>
+            <a:spLocks noGrp="1"/>
+          </p:cNvSpPr>
+          <p:nvPr>
+            <p:ph type="body" sz="half" idx="2"/>
+          </p:nvPr>
+        </p:nvSpPr>
+        <p:spPr>
+          <a:xfrm>
+            <a:off x="839788" y="2057400"/>
+            <a:ext cx="4930697" cy="3811588"/>
+          </a:xfrm>
+        </p:spPr>
+        <p:txBody>
+          <a:bodyPr/>
+          <a:lstStyle/>
+          <a:p>
+            <a:pPr marL="285750" indent="-285750">
+              <a:buFont typeface="Arial" panose="020B0604020202020204" pitchFamily="34" charset="0"/>
+              <a:buChar char="•"/>
+            </a:pPr>
+            <a:r>
+              <a:rPr lang="de-DE" dirty="0" smtClean="0"/>
+              <a:t>Alle alten Funktionen aus Sprint 2 </a:t>
+            </a:r>
+          </a:p>
+          <a:p>
+            <a:pPr marL="285750" indent="-285750">
+              <a:buFont typeface="Arial" panose="020B0604020202020204" pitchFamily="34" charset="0"/>
+              <a:buChar char="•"/>
+            </a:pPr>
+            <a:r>
+              <a:rPr lang="de-DE" dirty="0" smtClean="0"/>
+              <a:t>Automatischer oder manueller Außendurchmesser</a:t>
+            </a:r>
+          </a:p>
+          <a:p>
+            <a:pPr marL="285750" indent="-285750">
+              <a:buFont typeface="Arial" panose="020B0604020202020204" pitchFamily="34" charset="0"/>
+              <a:buChar char="•"/>
+            </a:pPr>
+            <a:r>
+              <a:rPr lang="de-DE" dirty="0" smtClean="0"/>
+              <a:t>3D - Abbildung</a:t>
+            </a:r>
+            <a:endParaRPr lang="de-DE" dirty="0"/>
+          </a:p>
+        </p:txBody>
+      </p:sp>
+      <p:pic>
+        <p:nvPicPr>
+          <p:cNvPr id="4" name="Grafik 3"/>
+          <p:cNvPicPr>
+            <a:picLocks noChangeAspect="1"/>
+          </p:cNvPicPr>
+          <p:nvPr/>
+        </p:nvPicPr>
+        <p:blipFill>
+          <a:blip r:embed="rId2" cstate="print">
+            <a:extLst>
+              <a:ext uri="{28A0092B-C50C-407E-A947-70E740481C1C}">
+                <a14:useLocalDpi xmlns:a14="http://schemas.microsoft.com/office/drawing/2010/main" val="0"/>
+              </a:ext>
+            </a:extLst>
+          </a:blip>
+          <a:stretch>
+            <a:fillRect/>
+          </a:stretch>
+        </p:blipFill>
+        <p:spPr>
+          <a:xfrm>
+            <a:off x="10287000" y="0"/>
+            <a:ext cx="1905000" cy="1905000"/>
+          </a:xfrm>
+          <a:prstGeom prst="rect">
+            <a:avLst/>
+          </a:prstGeom>
+        </p:spPr>
+      </p:pic>
+      <p:pic>
+        <p:nvPicPr>
+          <p:cNvPr id="7" name="Grafik 6"/>
+          <p:cNvPicPr>
+            <a:picLocks noChangeAspect="1"/>
+          </p:cNvPicPr>
+          <p:nvPr/>
+        </p:nvPicPr>
+        <p:blipFill>
+          <a:blip r:embed="rId3"/>
+          <a:stretch>
+            <a:fillRect/>
+          </a:stretch>
+        </p:blipFill>
+        <p:spPr>
+          <a:xfrm>
+            <a:off x="9115426" y="2179067"/>
+            <a:ext cx="2983052" cy="4607064"/>
+          </a:xfrm>
+          <a:prstGeom prst="rect">
+            <a:avLst/>
+          </a:prstGeom>
+        </p:spPr>
+      </p:pic>
+    </p:spTree>
+    <p:extLst>
+      <p:ext uri="{BB962C8B-B14F-4D97-AF65-F5344CB8AC3E}">
+        <p14:creationId xmlns:p14="http://schemas.microsoft.com/office/powerpoint/2010/main" val="1400907206"/>
+      </p:ext>
+    </p:extLst>
+  </p:cSld>
+  <p:clrMapOvr>
+    <a:masterClrMapping/>
+  </p:clrMapOvr>
+  <p:timing>
+    <p:tnLst>
+      <p:par>
+        <p:cTn id="1" dur="indefinite" restart="never" nodeType="tmRoot"/>
+      </p:par>
+    </p:tnLst>
+  </p:timing>
+</p:sld>
+</file>
+
+<file path=ppt/slides/slide6.xml><?xml version="1.0" encoding="utf-8"?>
+<p:sld xmlns:a="http://schemas.openxmlformats.org/drawingml/2006/main" xmlns:r="http://schemas.openxmlformats.org/officeDocument/2006/relationships" xmlns:p="http://schemas.openxmlformats.org/presentationml/2006/main">
+  <p:cSld>
+    <p:spTree>
+      <p:nvGrpSpPr>
+        <p:cNvPr id="1" name=""/>
+        <p:cNvGrpSpPr/>
+        <p:nvPr/>
+      </p:nvGrpSpPr>
+      <p:grpSpPr>
+        <a:xfrm>
+          <a:off x="0" y="0"/>
+          <a:ext cx="0" cy="0"/>
+          <a:chOff x="0" y="0"/>
+          <a:chExt cx="0" cy="0"/>
+        </a:xfrm>
+      </p:grpSpPr>
+      <p:sp>
+        <p:nvSpPr>
+          <p:cNvPr id="2" name="Titel 1"/>
+          <p:cNvSpPr>
+            <a:spLocks noGrp="1"/>
+          </p:cNvSpPr>
+          <p:nvPr>
+            <p:ph type="title"/>
+          </p:nvPr>
+        </p:nvSpPr>
+        <p:spPr/>
+        <p:txBody>
+          <a:bodyPr/>
+          <a:lstStyle/>
+          <a:p>
+            <a:r>
+              <a:rPr lang="de-DE" dirty="0" smtClean="0"/>
+              <a:t>Demo !</a:t>
+            </a:r>
+            <a:endParaRPr lang="de-DE" dirty="0"/>
+          </a:p>
+        </p:txBody>
+      </p:sp>
+      <p:sp>
+        <p:nvSpPr>
+          <p:cNvPr id="3" name="Inhaltsplatzhalter 2"/>
+          <p:cNvSpPr>
+            <a:spLocks noGrp="1"/>
+          </p:cNvSpPr>
+          <p:nvPr>
+            <p:ph idx="1"/>
+          </p:nvPr>
+        </p:nvSpPr>
+        <p:spPr/>
+        <p:txBody>
+          <a:bodyPr/>
+          <a:lstStyle/>
+          <a:p>
+            <a:pPr marL="0" indent="0">
+              <a:buNone/>
+            </a:pPr>
+            <a:endParaRPr lang="de-DE" dirty="0" smtClean="0"/>
+          </a:p>
+          <a:p>
+            <a:pPr marL="0" indent="0">
+              <a:buNone/>
+            </a:pPr>
+            <a:endParaRPr lang="de-DE" dirty="0"/>
+          </a:p>
+          <a:p>
+            <a:pPr marL="0" indent="0">
+              <a:buNone/>
+            </a:pPr>
+            <a:endParaRPr lang="de-DE" dirty="0" smtClean="0"/>
+          </a:p>
+          <a:p>
+            <a:pPr marL="0" indent="0">
+              <a:buNone/>
+            </a:pPr>
+            <a:endParaRPr lang="de-DE" dirty="0"/>
+          </a:p>
+          <a:p>
+            <a:pPr marL="0" indent="0">
+              <a:buNone/>
+            </a:pPr>
+            <a:r>
+              <a:rPr lang="de-DE" dirty="0" smtClean="0">
+                <a:hlinkClick r:id="rId2" action="ppaction://hlinkfile"/>
+              </a:rPr>
+              <a:t>3.TestatZahnradCatiaAnbindung\bin\</a:t>
+            </a:r>
+            <a:r>
+              <a:rPr lang="de-DE" dirty="0" err="1" smtClean="0">
+                <a:hlinkClick r:id="rId2" action="ppaction://hlinkfile"/>
+              </a:rPr>
+              <a:t>Debug</a:t>
+            </a:r>
+            <a:r>
+              <a:rPr lang="de-DE" smtClean="0">
+                <a:hlinkClick r:id="rId2" action="ppaction://hlinkfile"/>
+              </a:rPr>
+              <a:t>\3.TestatZahnradCatiaAnbindung.exe</a:t>
+            </a:r>
+            <a:endParaRPr lang="de-DE" dirty="0" smtClean="0"/>
+          </a:p>
+        </p:txBody>
+      </p:sp>
+      <p:pic>
+        <p:nvPicPr>
+          <p:cNvPr id="4" name="Grafik 3"/>
+          <p:cNvPicPr>
+            <a:picLocks noChangeAspect="1"/>
+          </p:cNvPicPr>
+          <p:nvPr/>
+        </p:nvPicPr>
+        <p:blipFill>
+          <a:blip r:embed="rId3" cstate="print">
+            <a:extLst>
+              <a:ext uri="{28A0092B-C50C-407E-A947-70E740481C1C}">
+                <a14:useLocalDpi xmlns:a14="http://schemas.microsoft.com/office/drawing/2010/main" val="0"/>
+              </a:ext>
+            </a:extLst>
+          </a:blip>
+          <a:stretch>
+            <a:fillRect/>
+          </a:stretch>
+        </p:blipFill>
+        <p:spPr>
+          <a:xfrm>
+            <a:off x="10287000" y="0"/>
+            <a:ext cx="1905000" cy="1905000"/>
+          </a:xfrm>
+          <a:prstGeom prst="rect">
+            <a:avLst/>
+          </a:prstGeom>
+        </p:spPr>
+      </p:pic>
+    </p:spTree>
+    <p:extLst>
+      <p:ext uri="{BB962C8B-B14F-4D97-AF65-F5344CB8AC3E}">
+        <p14:creationId xmlns:p14="http://schemas.microsoft.com/office/powerpoint/2010/main" val="3215100125"/>
       </p:ext>
     </p:extLst>
   </p:cSld>

--- a/3.TestatZahnradCatiaAnbindung/Zahnradrechner.pptx
+++ b/3.TestatZahnradCatiaAnbindung/Zahnradrechner.pptx
@@ -9,8 +9,11 @@
     <p:sldId id="257" r:id="rId3"/>
     <p:sldId id="258" r:id="rId4"/>
     <p:sldId id="259" r:id="rId5"/>
-    <p:sldId id="260" r:id="rId6"/>
-    <p:sldId id="261" r:id="rId7"/>
+    <p:sldId id="263" r:id="rId6"/>
+    <p:sldId id="260" r:id="rId7"/>
+    <p:sldId id="264" r:id="rId8"/>
+    <p:sldId id="261" r:id="rId9"/>
+    <p:sldId id="262" r:id="rId10"/>
   </p:sldIdLst>
   <p:sldSz cx="12192000" cy="6858000"/>
   <p:notesSz cx="6858000" cy="9144000"/>
@@ -3163,14 +3166,36 @@
           <a:p>
             <a:r>
               <a:rPr lang="de-DE" dirty="0" smtClean="0"/>
-              <a:t>Funktionen außenverzahnt</a:t>
-            </a:r>
-          </a:p>
-          <a:p>
+              <a:t>Funktionen </a:t>
+            </a:r>
             <a:r>
               <a:rPr lang="de-DE" dirty="0" smtClean="0"/>
-              <a:t>Funktionen innenverzahnt</a:t>
-            </a:r>
+              <a:t>außenverzahnt</a:t>
+            </a:r>
+          </a:p>
+          <a:p>
+            <a:r>
+              <a:rPr lang="de-DE" dirty="0" smtClean="0"/>
+              <a:t>Oberfläche außenverzahnt</a:t>
+            </a:r>
+            <a:endParaRPr lang="de-DE" dirty="0" smtClean="0"/>
+          </a:p>
+          <a:p>
+            <a:r>
+              <a:rPr lang="de-DE" dirty="0" smtClean="0"/>
+              <a:t>Funktionen </a:t>
+            </a:r>
+            <a:r>
+              <a:rPr lang="de-DE" dirty="0" smtClean="0"/>
+              <a:t>innenverzahnt</a:t>
+            </a:r>
+          </a:p>
+          <a:p>
+            <a:r>
+              <a:rPr lang="de-DE" dirty="0" smtClean="0"/>
+              <a:t>Oberfläche innenverzahnt</a:t>
+            </a:r>
+            <a:endParaRPr lang="de-DE" dirty="0" smtClean="0"/>
           </a:p>
           <a:p>
             <a:pPr marL="0" indent="0">
@@ -3571,6 +3596,30 @@
           </a:prstGeom>
         </p:spPr>
       </p:pic>
+      <p:pic>
+        <p:nvPicPr>
+          <p:cNvPr id="7" name="Grafik 6"/>
+          <p:cNvPicPr>
+            <a:picLocks noChangeAspect="1"/>
+          </p:cNvPicPr>
+          <p:nvPr/>
+        </p:nvPicPr>
+        <p:blipFill>
+          <a:blip r:embed="rId4"/>
+          <a:stretch>
+            <a:fillRect/>
+          </a:stretch>
+        </p:blipFill>
+        <p:spPr>
+          <a:xfrm rot="21146369">
+            <a:off x="1960563" y="3935800"/>
+            <a:ext cx="3639058" cy="1371791"/>
+          </a:xfrm>
+          <a:prstGeom prst="rect">
+            <a:avLst/>
+          </a:prstGeom>
+        </p:spPr>
+      </p:pic>
     </p:spTree>
     <p:extLst>
       <p:ext uri="{BB962C8B-B14F-4D97-AF65-F5344CB8AC3E}">
@@ -3592,6 +3641,176 @@
 </file>
 
 <file path=ppt/slides/slide5.xml><?xml version="1.0" encoding="utf-8"?>
+<p:sld xmlns:a="http://schemas.openxmlformats.org/drawingml/2006/main" xmlns:r="http://schemas.openxmlformats.org/officeDocument/2006/relationships" xmlns:p="http://schemas.openxmlformats.org/presentationml/2006/main">
+  <p:cSld>
+    <p:spTree>
+      <p:nvGrpSpPr>
+        <p:cNvPr id="1" name=""/>
+        <p:cNvGrpSpPr/>
+        <p:nvPr/>
+      </p:nvGrpSpPr>
+      <p:grpSpPr>
+        <a:xfrm>
+          <a:off x="0" y="0"/>
+          <a:ext cx="0" cy="0"/>
+          <a:chOff x="0" y="0"/>
+          <a:chExt cx="0" cy="0"/>
+        </a:xfrm>
+      </p:grpSpPr>
+      <p:sp>
+        <p:nvSpPr>
+          <p:cNvPr id="2" name="Titel 1"/>
+          <p:cNvSpPr>
+            <a:spLocks noGrp="1"/>
+          </p:cNvSpPr>
+          <p:nvPr>
+            <p:ph type="title"/>
+          </p:nvPr>
+        </p:nvSpPr>
+        <p:spPr>
+          <a:xfrm>
+            <a:off x="839788" y="457200"/>
+            <a:ext cx="5880608" cy="1060882"/>
+          </a:xfrm>
+        </p:spPr>
+        <p:txBody>
+          <a:bodyPr/>
+          <a:lstStyle/>
+          <a:p>
+            <a:r>
+              <a:rPr lang="de-DE" dirty="0" smtClean="0"/>
+              <a:t>Oberfläche außenverzahnt</a:t>
+            </a:r>
+            <a:endParaRPr lang="de-DE" dirty="0"/>
+          </a:p>
+        </p:txBody>
+      </p:sp>
+      <p:sp>
+        <p:nvSpPr>
+          <p:cNvPr id="3" name="Inhaltsplatzhalter 2"/>
+          <p:cNvSpPr>
+            <a:spLocks noGrp="1"/>
+          </p:cNvSpPr>
+          <p:nvPr>
+            <p:ph idx="1"/>
+          </p:nvPr>
+        </p:nvSpPr>
+        <p:spPr/>
+        <p:txBody>
+          <a:bodyPr/>
+          <a:lstStyle/>
+          <a:p>
+            <a:pPr marL="0" indent="0">
+              <a:buNone/>
+            </a:pPr>
+            <a:endParaRPr lang="de-DE" dirty="0" smtClean="0"/>
+          </a:p>
+          <a:p>
+            <a:pPr marL="0" indent="0">
+              <a:buNone/>
+            </a:pPr>
+            <a:endParaRPr lang="de-DE" dirty="0" smtClean="0"/>
+          </a:p>
+        </p:txBody>
+      </p:sp>
+      <p:sp>
+        <p:nvSpPr>
+          <p:cNvPr id="6" name="Textplatzhalter 5"/>
+          <p:cNvSpPr>
+            <a:spLocks noGrp="1"/>
+          </p:cNvSpPr>
+          <p:nvPr>
+            <p:ph type="body" sz="half" idx="2"/>
+          </p:nvPr>
+        </p:nvSpPr>
+        <p:spPr/>
+        <p:txBody>
+          <a:bodyPr/>
+          <a:lstStyle/>
+          <a:p>
+            <a:pPr marL="285750" indent="-285750">
+              <a:buFont typeface="Arial" panose="020B0604020202020204" pitchFamily="34" charset="0"/>
+              <a:buChar char="•"/>
+            </a:pPr>
+            <a:endParaRPr lang="de-DE" dirty="0"/>
+          </a:p>
+        </p:txBody>
+      </p:sp>
+      <p:pic>
+        <p:nvPicPr>
+          <p:cNvPr id="4" name="Grafik 3"/>
+          <p:cNvPicPr>
+            <a:picLocks noChangeAspect="1"/>
+          </p:cNvPicPr>
+          <p:nvPr/>
+        </p:nvPicPr>
+        <p:blipFill>
+          <a:blip r:embed="rId2" cstate="print">
+            <a:extLst>
+              <a:ext uri="{28A0092B-C50C-407E-A947-70E740481C1C}">
+                <a14:useLocalDpi xmlns:a14="http://schemas.microsoft.com/office/drawing/2010/main" val="0"/>
+              </a:ext>
+            </a:extLst>
+          </a:blip>
+          <a:stretch>
+            <a:fillRect/>
+          </a:stretch>
+        </p:blipFill>
+        <p:spPr>
+          <a:xfrm>
+            <a:off x="10287000" y="0"/>
+            <a:ext cx="1905000" cy="1905000"/>
+          </a:xfrm>
+          <a:prstGeom prst="rect">
+            <a:avLst/>
+          </a:prstGeom>
+        </p:spPr>
+      </p:pic>
+      <p:pic>
+        <p:nvPicPr>
+          <p:cNvPr id="7" name="Grafik 6"/>
+          <p:cNvPicPr>
+            <a:picLocks noChangeAspect="1"/>
+          </p:cNvPicPr>
+          <p:nvPr/>
+        </p:nvPicPr>
+        <p:blipFill>
+          <a:blip r:embed="rId3"/>
+          <a:stretch>
+            <a:fillRect/>
+          </a:stretch>
+        </p:blipFill>
+        <p:spPr>
+          <a:xfrm>
+            <a:off x="1836751" y="1874367"/>
+            <a:ext cx="7613637" cy="4188279"/>
+          </a:xfrm>
+          <a:prstGeom prst="rect">
+            <a:avLst/>
+          </a:prstGeom>
+        </p:spPr>
+      </p:pic>
+    </p:spTree>
+    <p:extLst>
+      <p:ext uri="{BB962C8B-B14F-4D97-AF65-F5344CB8AC3E}">
+        <p14:creationId xmlns:p14="http://schemas.microsoft.com/office/powerpoint/2010/main" val="1174787909"/>
+      </p:ext>
+    </p:extLst>
+  </p:cSld>
+  <p:clrMapOvr>
+    <a:masterClrMapping/>
+  </p:clrMapOvr>
+  <p:timing>
+    <p:tnLst>
+      <p:par>
+        <p:cTn id="1" dur="indefinite" restart="never" nodeType="tmRoot"/>
+      </p:par>
+    </p:tnLst>
+  </p:timing>
+</p:sld>
+</file>
+
+<file path=ppt/slides/slide6.xml><?xml version="1.0" encoding="utf-8"?>
 <p:sld xmlns:a="http://schemas.openxmlformats.org/drawingml/2006/main" xmlns:r="http://schemas.openxmlformats.org/officeDocument/2006/relationships" xmlns:p="http://schemas.openxmlformats.org/presentationml/2006/main">
   <p:cSld>
     <p:spTree>
@@ -3790,7 +4009,7 @@
 </p:sld>
 </file>
 
-<file path=ppt/slides/slide6.xml><?xml version="1.0" encoding="utf-8"?>
+<file path=ppt/slides/slide7.xml><?xml version="1.0" encoding="utf-8"?>
 <p:sld xmlns:a="http://schemas.openxmlformats.org/drawingml/2006/main" xmlns:r="http://schemas.openxmlformats.org/officeDocument/2006/relationships" xmlns:p="http://schemas.openxmlformats.org/presentationml/2006/main">
   <p:cSld>
     <p:spTree>
@@ -3817,6 +4036,184 @@
             <p:ph type="title"/>
           </p:nvPr>
         </p:nvSpPr>
+        <p:spPr>
+          <a:xfrm>
+            <a:off x="839788" y="457200"/>
+            <a:ext cx="5880608" cy="1060882"/>
+          </a:xfrm>
+        </p:spPr>
+        <p:txBody>
+          <a:bodyPr/>
+          <a:lstStyle/>
+          <a:p>
+            <a:r>
+              <a:rPr lang="de-DE" dirty="0" smtClean="0"/>
+              <a:t>Oberfläche </a:t>
+            </a:r>
+            <a:r>
+              <a:rPr lang="de-DE" dirty="0" smtClean="0"/>
+              <a:t>innen</a:t>
+            </a:r>
+            <a:r>
+              <a:rPr lang="de-DE" dirty="0" smtClean="0"/>
+              <a:t>verzahnt</a:t>
+            </a:r>
+            <a:endParaRPr lang="de-DE" dirty="0"/>
+          </a:p>
+        </p:txBody>
+      </p:sp>
+      <p:sp>
+        <p:nvSpPr>
+          <p:cNvPr id="3" name="Inhaltsplatzhalter 2"/>
+          <p:cNvSpPr>
+            <a:spLocks noGrp="1"/>
+          </p:cNvSpPr>
+          <p:nvPr>
+            <p:ph idx="1"/>
+          </p:nvPr>
+        </p:nvSpPr>
+        <p:spPr/>
+        <p:txBody>
+          <a:bodyPr/>
+          <a:lstStyle/>
+          <a:p>
+            <a:pPr marL="0" indent="0">
+              <a:buNone/>
+            </a:pPr>
+            <a:endParaRPr lang="de-DE" dirty="0" smtClean="0"/>
+          </a:p>
+          <a:p>
+            <a:pPr marL="0" indent="0">
+              <a:buNone/>
+            </a:pPr>
+            <a:endParaRPr lang="de-DE" dirty="0" smtClean="0"/>
+          </a:p>
+        </p:txBody>
+      </p:sp>
+      <p:pic>
+        <p:nvPicPr>
+          <p:cNvPr id="5" name="Grafik 4"/>
+          <p:cNvPicPr>
+            <a:picLocks noChangeAspect="1"/>
+          </p:cNvPicPr>
+          <p:nvPr/>
+        </p:nvPicPr>
+        <p:blipFill>
+          <a:blip r:embed="rId2"/>
+          <a:stretch>
+            <a:fillRect/>
+          </a:stretch>
+        </p:blipFill>
+        <p:spPr>
+          <a:xfrm>
+            <a:off x="1741400" y="1905000"/>
+            <a:ext cx="7708988" cy="4211319"/>
+          </a:xfrm>
+          <a:prstGeom prst="rect">
+            <a:avLst/>
+          </a:prstGeom>
+        </p:spPr>
+      </p:pic>
+      <p:sp>
+        <p:nvSpPr>
+          <p:cNvPr id="6" name="Textplatzhalter 5"/>
+          <p:cNvSpPr>
+            <a:spLocks noGrp="1"/>
+          </p:cNvSpPr>
+          <p:nvPr>
+            <p:ph type="body" sz="half" idx="2"/>
+          </p:nvPr>
+        </p:nvSpPr>
+        <p:spPr/>
+        <p:txBody>
+          <a:bodyPr/>
+          <a:lstStyle/>
+          <a:p>
+            <a:pPr marL="285750" indent="-285750">
+              <a:buFont typeface="Arial" panose="020B0604020202020204" pitchFamily="34" charset="0"/>
+              <a:buChar char="•"/>
+            </a:pPr>
+            <a:endParaRPr lang="de-DE" dirty="0"/>
+          </a:p>
+        </p:txBody>
+      </p:sp>
+      <p:pic>
+        <p:nvPicPr>
+          <p:cNvPr id="4" name="Grafik 3"/>
+          <p:cNvPicPr>
+            <a:picLocks noChangeAspect="1"/>
+          </p:cNvPicPr>
+          <p:nvPr/>
+        </p:nvPicPr>
+        <p:blipFill>
+          <a:blip r:embed="rId3" cstate="print">
+            <a:extLst>
+              <a:ext uri="{28A0092B-C50C-407E-A947-70E740481C1C}">
+                <a14:useLocalDpi xmlns:a14="http://schemas.microsoft.com/office/drawing/2010/main" val="0"/>
+              </a:ext>
+            </a:extLst>
+          </a:blip>
+          <a:stretch>
+            <a:fillRect/>
+          </a:stretch>
+        </p:blipFill>
+        <p:spPr>
+          <a:xfrm>
+            <a:off x="10287000" y="0"/>
+            <a:ext cx="1905000" cy="1905000"/>
+          </a:xfrm>
+          <a:prstGeom prst="rect">
+            <a:avLst/>
+          </a:prstGeom>
+        </p:spPr>
+      </p:pic>
+    </p:spTree>
+    <p:extLst>
+      <p:ext uri="{BB962C8B-B14F-4D97-AF65-F5344CB8AC3E}">
+        <p14:creationId xmlns:p14="http://schemas.microsoft.com/office/powerpoint/2010/main" val="2569435533"/>
+      </p:ext>
+    </p:extLst>
+  </p:cSld>
+  <p:clrMapOvr>
+    <a:masterClrMapping/>
+  </p:clrMapOvr>
+  <p:timing>
+    <p:tnLst>
+      <p:par>
+        <p:cTn id="1" dur="indefinite" restart="never" nodeType="tmRoot"/>
+      </p:par>
+    </p:tnLst>
+  </p:timing>
+</p:sld>
+</file>
+
+<file path=ppt/slides/slide8.xml><?xml version="1.0" encoding="utf-8"?>
+<p:sld xmlns:a="http://schemas.openxmlformats.org/drawingml/2006/main" xmlns:r="http://schemas.openxmlformats.org/officeDocument/2006/relationships" xmlns:p="http://schemas.openxmlformats.org/presentationml/2006/main">
+  <p:cSld>
+    <p:spTree>
+      <p:nvGrpSpPr>
+        <p:cNvPr id="1" name=""/>
+        <p:cNvGrpSpPr/>
+        <p:nvPr/>
+      </p:nvGrpSpPr>
+      <p:grpSpPr>
+        <a:xfrm>
+          <a:off x="0" y="0"/>
+          <a:ext cx="0" cy="0"/>
+          <a:chOff x="0" y="0"/>
+          <a:chExt cx="0" cy="0"/>
+        </a:xfrm>
+      </p:grpSpPr>
+      <p:sp>
+        <p:nvSpPr>
+          <p:cNvPr id="2" name="Titel 1"/>
+          <p:cNvSpPr>
+            <a:spLocks noGrp="1"/>
+          </p:cNvSpPr>
+          <p:nvPr>
+            <p:ph type="title"/>
+          </p:nvPr>
+        </p:nvSpPr>
         <p:spPr/>
         <p:txBody>
           <a:bodyPr/>
@@ -3840,7 +4237,12 @@
             <p:ph idx="1"/>
           </p:nvPr>
         </p:nvSpPr>
-        <p:spPr/>
+        <p:spPr>
+          <a:xfrm>
+            <a:off x="838200" y="2584173"/>
+            <a:ext cx="10515600" cy="3592789"/>
+          </a:xfrm>
+        </p:spPr>
         <p:txBody>
           <a:bodyPr/>
           <a:lstStyle/>
@@ -3885,7 +4287,7 @@
               <a:t>Debug</a:t>
             </a:r>
             <a:r>
-              <a:rPr lang="de-DE" smtClean="0">
+              <a:rPr lang="de-DE" dirty="0" smtClean="0">
                 <a:hlinkClick r:id="rId2" action="ppaction://hlinkfile"/>
               </a:rPr>
               <a:t>\3.TestatZahnradCatiaAnbindung.exe</a:t>
@@ -3941,6 +4343,118 @@
       </p:par>
     </p:tnLst>
   </p:timing>
+</p:sld>
+</file>
+
+<file path=ppt/slides/slide9.xml><?xml version="1.0" encoding="utf-8"?>
+<p:sld xmlns:a="http://schemas.openxmlformats.org/drawingml/2006/main" xmlns:r="http://schemas.openxmlformats.org/officeDocument/2006/relationships" xmlns:p="http://schemas.openxmlformats.org/presentationml/2006/main">
+  <p:cSld>
+    <p:spTree>
+      <p:nvGrpSpPr>
+        <p:cNvPr id="1" name=""/>
+        <p:cNvGrpSpPr/>
+        <p:nvPr/>
+      </p:nvGrpSpPr>
+      <p:grpSpPr>
+        <a:xfrm>
+          <a:off x="0" y="0"/>
+          <a:ext cx="0" cy="0"/>
+          <a:chOff x="0" y="0"/>
+          <a:chExt cx="0" cy="0"/>
+        </a:xfrm>
+      </p:grpSpPr>
+      <p:sp>
+        <p:nvSpPr>
+          <p:cNvPr id="2" name="Titel 1"/>
+          <p:cNvSpPr>
+            <a:spLocks noGrp="1"/>
+          </p:cNvSpPr>
+          <p:nvPr>
+            <p:ph type="title"/>
+          </p:nvPr>
+        </p:nvSpPr>
+        <p:spPr>
+          <a:xfrm rot="21312506">
+            <a:off x="2221727" y="2886324"/>
+            <a:ext cx="10515600" cy="1285171"/>
+          </a:xfrm>
+        </p:spPr>
+        <p:txBody>
+          <a:bodyPr/>
+          <a:lstStyle/>
+          <a:p>
+            <a:r>
+              <a:rPr lang="de-DE" dirty="0" smtClean="0"/>
+              <a:t>Gibt es Fragen….? </a:t>
+            </a:r>
+            <a:endParaRPr lang="de-DE" dirty="0"/>
+          </a:p>
+        </p:txBody>
+      </p:sp>
+      <p:sp>
+        <p:nvSpPr>
+          <p:cNvPr id="3" name="Inhaltsplatzhalter 2"/>
+          <p:cNvSpPr>
+            <a:spLocks noGrp="1"/>
+          </p:cNvSpPr>
+          <p:nvPr>
+            <p:ph idx="1"/>
+          </p:nvPr>
+        </p:nvSpPr>
+        <p:spPr>
+          <a:xfrm>
+            <a:off x="838200" y="4764505"/>
+            <a:ext cx="10515600" cy="1412458"/>
+          </a:xfrm>
+        </p:spPr>
+        <p:txBody>
+          <a:bodyPr/>
+          <a:lstStyle/>
+          <a:p>
+            <a:endParaRPr lang="de-DE" dirty="0"/>
+          </a:p>
+        </p:txBody>
+      </p:sp>
+      <p:pic>
+        <p:nvPicPr>
+          <p:cNvPr id="4" name="Grafik 3"/>
+          <p:cNvPicPr>
+            <a:picLocks noChangeAspect="1"/>
+          </p:cNvPicPr>
+          <p:nvPr/>
+        </p:nvPicPr>
+        <p:blipFill>
+          <a:blip r:embed="rId2" cstate="print">
+            <a:extLst>
+              <a:ext uri="{28A0092B-C50C-407E-A947-70E740481C1C}">
+                <a14:useLocalDpi xmlns:a14="http://schemas.microsoft.com/office/drawing/2010/main" val="0"/>
+              </a:ext>
+            </a:extLst>
+          </a:blip>
+          <a:stretch>
+            <a:fillRect/>
+          </a:stretch>
+        </p:blipFill>
+        <p:spPr>
+          <a:xfrm>
+            <a:off x="10287000" y="0"/>
+            <a:ext cx="1905000" cy="1905000"/>
+          </a:xfrm>
+          <a:prstGeom prst="rect">
+            <a:avLst/>
+          </a:prstGeom>
+        </p:spPr>
+      </p:pic>
+    </p:spTree>
+    <p:extLst>
+      <p:ext uri="{BB962C8B-B14F-4D97-AF65-F5344CB8AC3E}">
+        <p14:creationId xmlns:p14="http://schemas.microsoft.com/office/powerpoint/2010/main" val="3368512090"/>
+      </p:ext>
+    </p:extLst>
+  </p:cSld>
+  <p:clrMapOvr>
+    <a:masterClrMapping/>
+  </p:clrMapOvr>
 </p:sld>
 </file>
 
